--- a/DiscreteMaths/Lect22.pptx
+++ b/DiscreteMaths/Lect22.pptx
@@ -306,7 +306,7 @@
             <a:fld id="{CDC9ADD0-F7EE-40E5-8286-319514638DD6}" type="datetimeFigureOut">
               <a:rPr lang="en-US" smtClean="0"/>
               <a:pPr/>
-              <a:t>3/5/2024</a:t>
+              <a:t>3/6/2024</a:t>
             </a:fld>
             <a:endParaRPr lang="en-US"/>
           </a:p>
@@ -473,7 +473,7 @@
             <a:fld id="{CDC9ADD0-F7EE-40E5-8286-319514638DD6}" type="datetimeFigureOut">
               <a:rPr lang="en-US" smtClean="0"/>
               <a:pPr/>
-              <a:t>3/5/2024</a:t>
+              <a:t>3/6/2024</a:t>
             </a:fld>
             <a:endParaRPr lang="en-US"/>
           </a:p>
@@ -650,7 +650,7 @@
             <a:fld id="{CDC9ADD0-F7EE-40E5-8286-319514638DD6}" type="datetimeFigureOut">
               <a:rPr lang="en-US" smtClean="0"/>
               <a:pPr/>
-              <a:t>3/5/2024</a:t>
+              <a:t>3/6/2024</a:t>
             </a:fld>
             <a:endParaRPr lang="en-US"/>
           </a:p>
@@ -817,7 +817,7 @@
             <a:fld id="{CDC9ADD0-F7EE-40E5-8286-319514638DD6}" type="datetimeFigureOut">
               <a:rPr lang="en-US" smtClean="0"/>
               <a:pPr/>
-              <a:t>3/5/2024</a:t>
+              <a:t>3/6/2024</a:t>
             </a:fld>
             <a:endParaRPr lang="en-US"/>
           </a:p>
@@ -1060,7 +1060,7 @@
             <a:fld id="{CDC9ADD0-F7EE-40E5-8286-319514638DD6}" type="datetimeFigureOut">
               <a:rPr lang="en-US" smtClean="0"/>
               <a:pPr/>
-              <a:t>3/5/2024</a:t>
+              <a:t>3/6/2024</a:t>
             </a:fld>
             <a:endParaRPr lang="en-US"/>
           </a:p>
@@ -1345,7 +1345,7 @@
             <a:fld id="{CDC9ADD0-F7EE-40E5-8286-319514638DD6}" type="datetimeFigureOut">
               <a:rPr lang="en-US" smtClean="0"/>
               <a:pPr/>
-              <a:t>3/5/2024</a:t>
+              <a:t>3/6/2024</a:t>
             </a:fld>
             <a:endParaRPr lang="en-US"/>
           </a:p>
@@ -1764,7 +1764,7 @@
             <a:fld id="{CDC9ADD0-F7EE-40E5-8286-319514638DD6}" type="datetimeFigureOut">
               <a:rPr lang="en-US" smtClean="0"/>
               <a:pPr/>
-              <a:t>3/5/2024</a:t>
+              <a:t>3/6/2024</a:t>
             </a:fld>
             <a:endParaRPr lang="en-US"/>
           </a:p>
@@ -1879,7 +1879,7 @@
             <a:fld id="{CDC9ADD0-F7EE-40E5-8286-319514638DD6}" type="datetimeFigureOut">
               <a:rPr lang="en-US" smtClean="0"/>
               <a:pPr/>
-              <a:t>3/5/2024</a:t>
+              <a:t>3/6/2024</a:t>
             </a:fld>
             <a:endParaRPr lang="en-US"/>
           </a:p>
@@ -1971,7 +1971,7 @@
             <a:fld id="{CDC9ADD0-F7EE-40E5-8286-319514638DD6}" type="datetimeFigureOut">
               <a:rPr lang="en-US" smtClean="0"/>
               <a:pPr/>
-              <a:t>3/5/2024</a:t>
+              <a:t>3/6/2024</a:t>
             </a:fld>
             <a:endParaRPr lang="en-US"/>
           </a:p>
@@ -2245,7 +2245,7 @@
             <a:fld id="{CDC9ADD0-F7EE-40E5-8286-319514638DD6}" type="datetimeFigureOut">
               <a:rPr lang="en-US" smtClean="0"/>
               <a:pPr/>
-              <a:t>3/5/2024</a:t>
+              <a:t>3/6/2024</a:t>
             </a:fld>
             <a:endParaRPr lang="en-US"/>
           </a:p>
@@ -2495,7 +2495,7 @@
             <a:fld id="{CDC9ADD0-F7EE-40E5-8286-319514638DD6}" type="datetimeFigureOut">
               <a:rPr lang="en-US" smtClean="0"/>
               <a:pPr/>
-              <a:t>3/5/2024</a:t>
+              <a:t>3/6/2024</a:t>
             </a:fld>
             <a:endParaRPr lang="en-US"/>
           </a:p>
@@ -2705,7 +2705,7 @@
             <a:fld id="{CDC9ADD0-F7EE-40E5-8286-319514638DD6}" type="datetimeFigureOut">
               <a:rPr lang="en-US" smtClean="0"/>
               <a:pPr/>
-              <a:t>3/5/2024</a:t>
+              <a:t>3/6/2024</a:t>
             </a:fld>
             <a:endParaRPr lang="en-US"/>
           </a:p>
